--- a/Суммаризация.pptx
+++ b/Суммаризация.pptx
@@ -7199,6 +7199,10 @@
             </a:pPr>
             <a:r>
               <a:rPr lang="ru"/>
+              <a:t>Графовый алгоритм </a:t>
+            </a:r>
+            <a:r>
+              <a:rPr lang="ru"/>
               <a:t>Text Rank</a:t>
             </a:r>
             <a:endParaRPr/>
@@ -7393,7 +7397,7 @@
             </a:pPr>
             <a:r>
               <a:rPr lang="ru" sz="1300"/>
-              <a:t>К полученному графу применяется алгоритм PageRank</a:t>
+              <a:t>К полученному графу применяется алгоритм PageRank, ранжирующий предложения</a:t>
             </a:r>
             <a:endParaRPr sz="1300"/>
           </a:p>
@@ -7607,7 +7611,7 @@
                 <a:cs typeface="Roboto"/>
                 <a:sym typeface="Roboto"/>
               </a:rPr>
-              <a:t>, ссылающихся на нее. Предполагается, что ссылки от важных страниц наделяют авторитетностью и страницу, на которую они ссылаются.</a:t>
+              <a:t>, ссылающихся на нее. Предполагается, что ссылки от важных страниц наделяют важностью и страницу, на которую они ссылаются.</a:t>
             </a:r>
             <a:endParaRPr sz="1300">
               <a:solidFill>
@@ -7882,7 +7886,7 @@
                 <a:cs typeface="Roboto"/>
                 <a:sym typeface="Roboto"/>
               </a:rPr>
-              <a:t>	L(j) - кол-во предложений = N-1</a:t>
+              <a:t>	L(j) - кол-во связанных предложений = N-1</a:t>
             </a:r>
             <a:br>
               <a:rPr lang="ru" sz="1300">
@@ -8784,7 +8788,23 @@
                   <a:schemeClr val="dk1"/>
                 </a:solidFill>
               </a:rPr>
-              <a:t>Наиболее эффективным способом работы с генерации семантически полных новых данных является генерация текста с помощью нейросетей-трансформеров.</a:t>
+              <a:t>Наиболее эффективным способом работы с генерацией </a:t>
+            </a:r>
+            <a:r>
+              <a:rPr lang="ru" sz="1300">
+                <a:solidFill>
+                  <a:schemeClr val="dk1"/>
+                </a:solidFill>
+              </a:rPr>
+              <a:t>полных по смыслу текста </a:t>
+            </a:r>
+            <a:r>
+              <a:rPr lang="ru" sz="1300">
+                <a:solidFill>
+                  <a:schemeClr val="dk1"/>
+                </a:solidFill>
+              </a:rPr>
+              <a:t>новых данных является генерация текста с помощью нейросетей-трансформеров.</a:t>
             </a:r>
             <a:endParaRPr sz="1300">
               <a:solidFill>
@@ -8811,9 +8831,9 @@
               <a:t>Трансформеры глубоко понимают семантику текста, так как обрабатывают весь текст сразу и имеют “механизм внимания”, что позволяет</a:t>
             </a:r>
             <a:r>
-              <a:rPr lang="ru" sz="1200">
+              <a:rPr lang="ru" sz="1300">
                 <a:solidFill>
-                  <a:srgbClr val="212529"/>
+                  <a:schemeClr val="dk1"/>
                 </a:solidFill>
                 <a:highlight>
                   <a:srgbClr val="FFFFFF"/>
@@ -8821,9 +8841,9 @@
               </a:rPr>
               <a:t> модели уделять различную степень внимания разным частям входного текста при обработке каждого элемента, что делает модель гораздо более эффективной для понимания взаимосвязей между словами. </a:t>
             </a:r>
-            <a:endParaRPr sz="1200">
+            <a:endParaRPr sz="1300">
               <a:solidFill>
-                <a:srgbClr val="212529"/>
+                <a:schemeClr val="dk1"/>
               </a:solidFill>
               <a:highlight>
                 <a:srgbClr val="FFFFFF"/>
@@ -9509,18 +9529,18 @@
             <a:r>
               <a:rPr lang="ru" sz="1050">
                 <a:solidFill>
-                  <a:srgbClr val="CCCCCC"/>
+                  <a:schemeClr val="dk1"/>
                 </a:solidFill>
                 <a:latin typeface="Courier New"/>
                 <a:ea typeface="Courier New"/>
                 <a:cs typeface="Courier New"/>
                 <a:sym typeface="Courier New"/>
               </a:rPr>
-              <a:t>rouge-1 F1: 0.35294117167058825 rouge-2 F1: 0.13861385656308223</a:t>
+              <a:t>rouge-1 F1: 0.35294117167058825</a:t>
             </a:r>
             <a:endParaRPr sz="1050">
               <a:solidFill>
-                <a:srgbClr val="CCCCCC"/>
+                <a:schemeClr val="dk1"/>
               </a:solidFill>
               <a:latin typeface="Courier New"/>
               <a:ea typeface="Courier New"/>
@@ -9541,7 +9561,39 @@
             <a:r>
               <a:rPr lang="ru" sz="1050">
                 <a:solidFill>
-                  <a:srgbClr val="CCCCCC"/>
+                  <a:schemeClr val="dk1"/>
+                </a:solidFill>
+                <a:latin typeface="Courier New"/>
+                <a:ea typeface="Courier New"/>
+                <a:cs typeface="Courier New"/>
+                <a:sym typeface="Courier New"/>
+              </a:rPr>
+              <a:t>rouge-2 F1: 0.13861385656308223</a:t>
+            </a:r>
+            <a:endParaRPr sz="1050">
+              <a:solidFill>
+                <a:schemeClr val="dk1"/>
+              </a:solidFill>
+              <a:latin typeface="Courier New"/>
+              <a:ea typeface="Courier New"/>
+              <a:cs typeface="Courier New"/>
+              <a:sym typeface="Courier New"/>
+            </a:endParaRPr>
+          </a:p>
+          <a:p>
+            <a:pPr indent="0" lvl="0" marL="0" rtl="0" algn="l">
+              <a:spcBef>
+                <a:spcPts val="0"/>
+              </a:spcBef>
+              <a:spcAft>
+                <a:spcPts val="0"/>
+              </a:spcAft>
+              <a:buNone/>
+            </a:pPr>
+            <a:r>
+              <a:rPr lang="ru" sz="1050">
+                <a:solidFill>
+                  <a:schemeClr val="dk1"/>
                 </a:solidFill>
                 <a:latin typeface="Courier New"/>
                 <a:ea typeface="Courier New"/>
@@ -9661,7 +9713,7 @@
                   <a:schemeClr val="dk1"/>
                 </a:solidFill>
               </a:rPr>
-              <a:t>Суммаризация - процесс автоматической обработки естественного языка, направленный на создание краткого и информативного изложения исходного текста, сохраняя при этом его семантическую информацию.</a:t>
+              <a:t>Суммаризация - процесс автоматической обработки естественного языка, направленный на создание краткого изложения исходного текста, сохраняя при этом несущуюся в нём смысловую информацию.</a:t>
             </a:r>
             <a:endParaRPr>
               <a:solidFill>
@@ -9855,28 +9907,9 @@
             </a:endParaRPr>
           </a:p>
           <a:p>
-            <a:pPr indent="0" lvl="0" marL="457200" rtl="0" algn="l">
-              <a:spcBef>
-                <a:spcPts val="1200"/>
-              </a:spcBef>
-              <a:spcAft>
-                <a:spcPts val="0"/>
-              </a:spcAft>
-              <a:buNone/>
-            </a:pPr>
-            <a:r>
-              <a:t/>
-            </a:r>
-            <a:endParaRPr>
-              <a:solidFill>
-                <a:schemeClr val="dk1"/>
-              </a:solidFill>
-            </a:endParaRPr>
-          </a:p>
-          <a:p>
             <a:pPr indent="-342900" lvl="0" marL="457200" rtl="0" algn="l">
               <a:spcBef>
-                <a:spcPts val="1200"/>
+                <a:spcPts val="0"/>
               </a:spcBef>
               <a:spcAft>
                 <a:spcPts val="0"/>
@@ -9910,28 +9943,9 @@
             </a:endParaRPr>
           </a:p>
           <a:p>
-            <a:pPr indent="0" lvl="0" marL="457200" rtl="0" algn="l">
-              <a:spcBef>
-                <a:spcPts val="1200"/>
-              </a:spcBef>
-              <a:spcAft>
-                <a:spcPts val="0"/>
-              </a:spcAft>
-              <a:buNone/>
-            </a:pPr>
-            <a:r>
-              <a:t/>
-            </a:r>
-            <a:endParaRPr>
-              <a:solidFill>
-                <a:schemeClr val="dk1"/>
-              </a:solidFill>
-            </a:endParaRPr>
-          </a:p>
-          <a:p>
             <a:pPr indent="-342900" lvl="0" marL="457200" rtl="0" algn="l">
               <a:spcBef>
-                <a:spcPts val="1200"/>
+                <a:spcPts val="0"/>
               </a:spcBef>
               <a:spcAft>
                 <a:spcPts val="0"/>
@@ -10208,34 +10222,17 @@
             </a:endParaRPr>
           </a:p>
           <a:p>
-            <a:pPr indent="-304800" lvl="0" marL="457200" rtl="0" algn="l">
-              <a:spcBef>
-                <a:spcPts val="0"/>
-              </a:spcBef>
-              <a:spcAft>
-                <a:spcPts val="0"/>
-              </a:spcAft>
-              <a:buClr>
-                <a:srgbClr val="212529"/>
-              </a:buClr>
-              <a:buSzPts val="1200"/>
-              <a:buFont typeface="Roboto"/>
-              <a:buChar char="●"/>
-            </a:pPr>
-            <a:r>
-              <a:rPr lang="ru" sz="1200">
-                <a:solidFill>
-                  <a:srgbClr val="212529"/>
-                </a:solidFill>
-                <a:highlight>
-                  <a:srgbClr val="FFFFFF"/>
-                </a:highlight>
-                <a:latin typeface="Roboto"/>
-                <a:ea typeface="Roboto"/>
-                <a:cs typeface="Roboto"/>
-                <a:sym typeface="Roboto"/>
-              </a:rPr>
-              <a:t>ROUGE-S (Skip-bigram precision): Измеряет перекрытие скип-биграмм, то есть биграмм с пропусками. Например, для предложения “The cat sat on the mat” скип-биграммами будут “The cat”, “The sat”, “The on”, и так далее.</a:t>
+            <a:pPr indent="0" lvl="0" marL="457200" rtl="0" algn="l">
+              <a:spcBef>
+                <a:spcPts val="1400"/>
+              </a:spcBef>
+              <a:spcAft>
+                <a:spcPts val="0"/>
+              </a:spcAft>
+              <a:buNone/>
+            </a:pPr>
+            <a:r>
+              <a:t/>
             </a:r>
             <a:endParaRPr sz="1200">
               <a:solidFill>
@@ -10526,7 +10523,7 @@
                   <a:schemeClr val="dk1"/>
                 </a:solidFill>
               </a:rPr>
-              <a:t>адача экстрактивной суммаризации сводится к ранжированию предложений предложений по значимости и выборе определённого количества из самых значимых из них.</a:t>
+              <a:t>адача экстрактивной суммаризации сводится к ранжированию предложений предложений по значимости и выборе определённого количества самых значимых из них.</a:t>
             </a:r>
             <a:endParaRPr sz="1300">
               <a:solidFill>
